--- a/assets/images/roc-auc-illustrated/figures.pptx
+++ b/assets/images/roc-auc-illustrated/figures.pptx
@@ -109,6 +109,11 @@
       </a:defRPr>
     </a:lvl9pPr>
   </p:defaultTextStyle>
+  <p:extLst>
+    <p:ext uri="{EFAFB233-063F-42B5-8137-9DF3F51BA10A}">
+      <p15:sldGuideLst xmlns:p15="http://schemas.microsoft.com/office/powerpoint/2012/main"/>
+    </p:ext>
+  </p:extLst>
 </p:presentation>
 </file>
 
@@ -243,7 +248,7 @@
           <a:p>
             <a:fld id="{AF446C66-BA5A-4BB0-870F-177ED8D08D1C}" type="datetimeFigureOut">
               <a:rPr lang="ko-KR" altLang="en-US" smtClean="0"/>
-              <a:t>2019-08-17</a:t>
+              <a:t>2019-08-18</a:t>
             </a:fld>
             <a:endParaRPr lang="ko-KR" altLang="en-US"/>
           </a:p>
@@ -413,7 +418,7 @@
           <a:p>
             <a:fld id="{AF446C66-BA5A-4BB0-870F-177ED8D08D1C}" type="datetimeFigureOut">
               <a:rPr lang="ko-KR" altLang="en-US" smtClean="0"/>
-              <a:t>2019-08-17</a:t>
+              <a:t>2019-08-18</a:t>
             </a:fld>
             <a:endParaRPr lang="ko-KR" altLang="en-US"/>
           </a:p>
@@ -593,7 +598,7 @@
           <a:p>
             <a:fld id="{AF446C66-BA5A-4BB0-870F-177ED8D08D1C}" type="datetimeFigureOut">
               <a:rPr lang="ko-KR" altLang="en-US" smtClean="0"/>
-              <a:t>2019-08-17</a:t>
+              <a:t>2019-08-18</a:t>
             </a:fld>
             <a:endParaRPr lang="ko-KR" altLang="en-US"/>
           </a:p>
@@ -763,7 +768,7 @@
           <a:p>
             <a:fld id="{AF446C66-BA5A-4BB0-870F-177ED8D08D1C}" type="datetimeFigureOut">
               <a:rPr lang="ko-KR" altLang="en-US" smtClean="0"/>
-              <a:t>2019-08-17</a:t>
+              <a:t>2019-08-18</a:t>
             </a:fld>
             <a:endParaRPr lang="ko-KR" altLang="en-US"/>
           </a:p>
@@ -1009,7 +1014,7 @@
           <a:p>
             <a:fld id="{AF446C66-BA5A-4BB0-870F-177ED8D08D1C}" type="datetimeFigureOut">
               <a:rPr lang="ko-KR" altLang="en-US" smtClean="0"/>
-              <a:t>2019-08-17</a:t>
+              <a:t>2019-08-18</a:t>
             </a:fld>
             <a:endParaRPr lang="ko-KR" altLang="en-US"/>
           </a:p>
@@ -1241,7 +1246,7 @@
           <a:p>
             <a:fld id="{AF446C66-BA5A-4BB0-870F-177ED8D08D1C}" type="datetimeFigureOut">
               <a:rPr lang="ko-KR" altLang="en-US" smtClean="0"/>
-              <a:t>2019-08-17</a:t>
+              <a:t>2019-08-18</a:t>
             </a:fld>
             <a:endParaRPr lang="ko-KR" altLang="en-US"/>
           </a:p>
@@ -1608,7 +1613,7 @@
           <a:p>
             <a:fld id="{AF446C66-BA5A-4BB0-870F-177ED8D08D1C}" type="datetimeFigureOut">
               <a:rPr lang="ko-KR" altLang="en-US" smtClean="0"/>
-              <a:t>2019-08-17</a:t>
+              <a:t>2019-08-18</a:t>
             </a:fld>
             <a:endParaRPr lang="ko-KR" altLang="en-US"/>
           </a:p>
@@ -1726,7 +1731,7 @@
           <a:p>
             <a:fld id="{AF446C66-BA5A-4BB0-870F-177ED8D08D1C}" type="datetimeFigureOut">
               <a:rPr lang="ko-KR" altLang="en-US" smtClean="0"/>
-              <a:t>2019-08-17</a:t>
+              <a:t>2019-08-18</a:t>
             </a:fld>
             <a:endParaRPr lang="ko-KR" altLang="en-US"/>
           </a:p>
@@ -1821,7 +1826,7 @@
           <a:p>
             <a:fld id="{AF446C66-BA5A-4BB0-870F-177ED8D08D1C}" type="datetimeFigureOut">
               <a:rPr lang="ko-KR" altLang="en-US" smtClean="0"/>
-              <a:t>2019-08-17</a:t>
+              <a:t>2019-08-18</a:t>
             </a:fld>
             <a:endParaRPr lang="ko-KR" altLang="en-US"/>
           </a:p>
@@ -2098,7 +2103,7 @@
           <a:p>
             <a:fld id="{AF446C66-BA5A-4BB0-870F-177ED8D08D1C}" type="datetimeFigureOut">
               <a:rPr lang="ko-KR" altLang="en-US" smtClean="0"/>
-              <a:t>2019-08-17</a:t>
+              <a:t>2019-08-18</a:t>
             </a:fld>
             <a:endParaRPr lang="ko-KR" altLang="en-US"/>
           </a:p>
@@ -2351,7 +2356,7 @@
           <a:p>
             <a:fld id="{AF446C66-BA5A-4BB0-870F-177ED8D08D1C}" type="datetimeFigureOut">
               <a:rPr lang="ko-KR" altLang="en-US" smtClean="0"/>
-              <a:t>2019-08-17</a:t>
+              <a:t>2019-08-18</a:t>
             </a:fld>
             <a:endParaRPr lang="ko-KR" altLang="en-US"/>
           </a:p>
@@ -2564,7 +2569,7 @@
           <a:p>
             <a:fld id="{AF446C66-BA5A-4BB0-870F-177ED8D08D1C}" type="datetimeFigureOut">
               <a:rPr lang="ko-KR" altLang="en-US" smtClean="0"/>
-              <a:t>2019-08-17</a:t>
+              <a:t>2019-08-18</a:t>
             </a:fld>
             <a:endParaRPr lang="ko-KR" altLang="en-US"/>
           </a:p>
@@ -8888,14 +8893,14 @@
             </a:pathLst>
           </a:custGeom>
           <a:noFill/>
-          <a:ln w="6350">
+          <a:ln w="9525">
             <a:solidFill>
               <a:schemeClr val="accent6">
                 <a:lumMod val="60000"/>
                 <a:lumOff val="40000"/>
               </a:schemeClr>
             </a:solidFill>
-            <a:prstDash val="lgDash"/>
+            <a:prstDash val="dash"/>
             <a:headEnd type="none" w="med" len="med"/>
             <a:tailEnd type="arrow" w="sm" len="sm"/>
           </a:ln>
@@ -8978,14 +8983,14 @@
             </a:pathLst>
           </a:custGeom>
           <a:noFill/>
-          <a:ln w="6350">
+          <a:ln w="9525">
             <a:solidFill>
               <a:schemeClr val="accent6">
                 <a:lumMod val="60000"/>
                 <a:lumOff val="40000"/>
               </a:schemeClr>
             </a:solidFill>
-            <a:prstDash val="lgDash"/>
+            <a:prstDash val="dash"/>
             <a:headEnd type="none" w="med" len="med"/>
             <a:tailEnd type="arrow" w="sm" len="sm"/>
           </a:ln>
@@ -9068,14 +9073,14 @@
             </a:pathLst>
           </a:custGeom>
           <a:noFill/>
-          <a:ln w="6350">
+          <a:ln w="9525">
             <a:solidFill>
               <a:schemeClr val="accent6">
                 <a:lumMod val="60000"/>
                 <a:lumOff val="40000"/>
               </a:schemeClr>
             </a:solidFill>
-            <a:prstDash val="lgDash"/>
+            <a:prstDash val="dash"/>
             <a:headEnd type="none" w="med" len="med"/>
             <a:tailEnd type="arrow" w="sm" len="sm"/>
           </a:ln>
@@ -9158,14 +9163,14 @@
             </a:pathLst>
           </a:custGeom>
           <a:noFill/>
-          <a:ln w="6350">
+          <a:ln w="9525">
             <a:solidFill>
               <a:schemeClr val="accent6">
                 <a:lumMod val="60000"/>
                 <a:lumOff val="40000"/>
               </a:schemeClr>
             </a:solidFill>
-            <a:prstDash val="lgDash"/>
+            <a:prstDash val="dash"/>
             <a:headEnd type="none" w="med" len="med"/>
             <a:tailEnd type="arrow" w="sm" len="sm"/>
           </a:ln>
@@ -9248,14 +9253,14 @@
             </a:pathLst>
           </a:custGeom>
           <a:noFill/>
-          <a:ln w="6350">
+          <a:ln w="9525">
             <a:solidFill>
               <a:schemeClr val="accent6">
                 <a:lumMod val="60000"/>
                 <a:lumOff val="40000"/>
               </a:schemeClr>
             </a:solidFill>
-            <a:prstDash val="lgDash"/>
+            <a:prstDash val="dash"/>
             <a:headEnd type="none" w="med" len="med"/>
             <a:tailEnd type="arrow" w="sm" len="sm"/>
           </a:ln>
@@ -12128,14 +12133,14 @@
             </a:pathLst>
           </a:custGeom>
           <a:noFill/>
-          <a:ln w="6350">
+          <a:ln w="9525">
             <a:solidFill>
               <a:schemeClr val="accent6">
                 <a:lumMod val="60000"/>
                 <a:lumOff val="40000"/>
               </a:schemeClr>
             </a:solidFill>
-            <a:prstDash val="lgDash"/>
+            <a:prstDash val="dash"/>
             <a:headEnd type="none" w="med" len="med"/>
             <a:tailEnd type="arrow" w="sm" len="sm"/>
           </a:ln>
@@ -12218,14 +12223,14 @@
             </a:pathLst>
           </a:custGeom>
           <a:noFill/>
-          <a:ln w="6350">
+          <a:ln w="9525">
             <a:solidFill>
               <a:schemeClr val="accent6">
                 <a:lumMod val="60000"/>
                 <a:lumOff val="40000"/>
               </a:schemeClr>
             </a:solidFill>
-            <a:prstDash val="lgDash"/>
+            <a:prstDash val="dash"/>
             <a:headEnd type="none" w="med" len="med"/>
             <a:tailEnd type="arrow" w="sm" len="sm"/>
           </a:ln>
@@ -12308,14 +12313,14 @@
             </a:pathLst>
           </a:custGeom>
           <a:noFill/>
-          <a:ln w="6350">
+          <a:ln w="9525">
             <a:solidFill>
               <a:schemeClr val="accent6">
                 <a:lumMod val="60000"/>
                 <a:lumOff val="40000"/>
               </a:schemeClr>
             </a:solidFill>
-            <a:prstDash val="lgDash"/>
+            <a:prstDash val="dash"/>
             <a:headEnd type="none" w="med" len="med"/>
             <a:tailEnd type="arrow" w="sm" len="sm"/>
           </a:ln>
@@ -12398,14 +12403,14 @@
             </a:pathLst>
           </a:custGeom>
           <a:noFill/>
-          <a:ln w="6350">
+          <a:ln w="9525">
             <a:solidFill>
               <a:schemeClr val="accent6">
                 <a:lumMod val="60000"/>
                 <a:lumOff val="40000"/>
               </a:schemeClr>
             </a:solidFill>
-            <a:prstDash val="lgDash"/>
+            <a:prstDash val="dash"/>
             <a:headEnd type="none" w="med" len="med"/>
             <a:tailEnd type="arrow" w="sm" len="sm"/>
           </a:ln>
@@ -12488,14 +12493,14 @@
             </a:pathLst>
           </a:custGeom>
           <a:noFill/>
-          <a:ln w="6350">
+          <a:ln w="9525">
             <a:solidFill>
               <a:schemeClr val="accent6">
                 <a:lumMod val="60000"/>
                 <a:lumOff val="40000"/>
               </a:schemeClr>
             </a:solidFill>
-            <a:prstDash val="lgDash"/>
+            <a:prstDash val="dash"/>
             <a:headEnd type="none" w="med" len="med"/>
             <a:tailEnd type="arrow" w="sm" len="sm"/>
           </a:ln>
@@ -15368,14 +15373,14 @@
             </a:pathLst>
           </a:custGeom>
           <a:noFill/>
-          <a:ln w="6350">
+          <a:ln w="9525">
             <a:solidFill>
               <a:schemeClr val="accent6">
                 <a:lumMod val="60000"/>
                 <a:lumOff val="40000"/>
               </a:schemeClr>
             </a:solidFill>
-            <a:prstDash val="lgDash"/>
+            <a:prstDash val="dash"/>
             <a:headEnd type="none" w="med" len="med"/>
             <a:tailEnd type="arrow" w="sm" len="sm"/>
           </a:ln>
@@ -15458,14 +15463,14 @@
             </a:pathLst>
           </a:custGeom>
           <a:noFill/>
-          <a:ln w="6350">
+          <a:ln w="9525">
             <a:solidFill>
               <a:schemeClr val="accent6">
                 <a:lumMod val="60000"/>
                 <a:lumOff val="40000"/>
               </a:schemeClr>
             </a:solidFill>
-            <a:prstDash val="lgDash"/>
+            <a:prstDash val="dash"/>
             <a:headEnd type="none" w="med" len="med"/>
             <a:tailEnd type="arrow" w="sm" len="sm"/>
           </a:ln>
@@ -15548,14 +15553,14 @@
             </a:pathLst>
           </a:custGeom>
           <a:noFill/>
-          <a:ln w="6350">
+          <a:ln w="9525">
             <a:solidFill>
               <a:schemeClr val="accent6">
                 <a:lumMod val="60000"/>
                 <a:lumOff val="40000"/>
               </a:schemeClr>
             </a:solidFill>
-            <a:prstDash val="lgDash"/>
+            <a:prstDash val="dash"/>
             <a:headEnd type="none" w="med" len="med"/>
             <a:tailEnd type="arrow" w="sm" len="sm"/>
           </a:ln>
@@ -15638,14 +15643,14 @@
             </a:pathLst>
           </a:custGeom>
           <a:noFill/>
-          <a:ln w="6350">
+          <a:ln w="9525">
             <a:solidFill>
               <a:schemeClr val="accent6">
                 <a:lumMod val="60000"/>
                 <a:lumOff val="40000"/>
               </a:schemeClr>
             </a:solidFill>
-            <a:prstDash val="lgDash"/>
+            <a:prstDash val="dash"/>
             <a:headEnd type="none" w="med" len="med"/>
             <a:tailEnd type="arrow" w="sm" len="sm"/>
           </a:ln>
@@ -15728,14 +15733,14 @@
             </a:pathLst>
           </a:custGeom>
           <a:noFill/>
-          <a:ln w="6350">
+          <a:ln w="9525">
             <a:solidFill>
               <a:schemeClr val="accent6">
                 <a:lumMod val="60000"/>
                 <a:lumOff val="40000"/>
               </a:schemeClr>
             </a:solidFill>
-            <a:prstDash val="lgDash"/>
+            <a:prstDash val="dash"/>
             <a:headEnd type="none" w="med" len="med"/>
             <a:tailEnd type="arrow" w="sm" len="sm"/>
           </a:ln>

--- a/assets/images/roc-auc-illustrated/figures.pptx
+++ b/assets/images/roc-auc-illustrated/figures.pptx
@@ -15417,9 +15417,9 @@
           <p:nvPr/>
         </p:nvSpPr>
         <p:spPr>
-          <a:xfrm rot="186149">
-            <a:off x="4202088" y="1220927"/>
-            <a:ext cx="1544478" cy="961934"/>
+          <a:xfrm rot="21069083">
+            <a:off x="4110531" y="1363887"/>
+            <a:ext cx="1273417" cy="679825"/>
           </a:xfrm>
           <a:custGeom>
             <a:avLst/>
@@ -15508,8 +15508,8 @@
         </p:nvSpPr>
         <p:spPr>
           <a:xfrm rot="383733">
-            <a:off x="4185945" y="1430604"/>
-            <a:ext cx="1118981" cy="457448"/>
+            <a:off x="4198504" y="1205822"/>
+            <a:ext cx="872436" cy="669158"/>
           </a:xfrm>
           <a:custGeom>
             <a:avLst/>

--- a/assets/images/roc-auc-illustrated/figures.pptx
+++ b/assets/images/roc-auc-illustrated/figures.pptx
@@ -15327,9 +15327,9 @@
           <p:nvPr/>
         </p:nvSpPr>
         <p:spPr>
-          <a:xfrm rot="21217003">
-            <a:off x="4111106" y="1380286"/>
-            <a:ext cx="1976778" cy="956356"/>
+          <a:xfrm rot="20380053">
+            <a:off x="4021051" y="1621784"/>
+            <a:ext cx="2111848" cy="484837"/>
           </a:xfrm>
           <a:custGeom>
             <a:avLst/>
@@ -15597,9 +15597,9 @@
           <p:nvPr/>
         </p:nvSpPr>
         <p:spPr>
-          <a:xfrm rot="2183361">
-            <a:off x="4141167" y="1597004"/>
-            <a:ext cx="979256" cy="211744"/>
+          <a:xfrm rot="1307047">
+            <a:off x="4211950" y="1297593"/>
+            <a:ext cx="841492" cy="362898"/>
           </a:xfrm>
           <a:custGeom>
             <a:avLst/>
